--- a/Documentation/assassinsGuildPresentationCopy.pptx
+++ b/Documentation/assassinsGuildPresentationCopy.pptx
@@ -10,11 +10,11 @@
     <p:sldId id="261" r:id="rId4"/>
     <p:sldId id="263" r:id="rId5"/>
     <p:sldId id="264" r:id="rId6"/>
-    <p:sldId id="265" r:id="rId7"/>
-    <p:sldId id="270" r:id="rId8"/>
-    <p:sldId id="267" r:id="rId9"/>
-    <p:sldId id="262" r:id="rId10"/>
-    <p:sldId id="266" r:id="rId11"/>
+    <p:sldId id="270" r:id="rId7"/>
+    <p:sldId id="266" r:id="rId8"/>
+    <p:sldId id="265" r:id="rId9"/>
+    <p:sldId id="267" r:id="rId10"/>
+    <p:sldId id="262" r:id="rId11"/>
     <p:sldId id="259" r:id="rId12"/>
     <p:sldId id="268" r:id="rId13"/>
     <p:sldId id="269" r:id="rId14"/>
@@ -6201,7 +6201,7 @@
           <a:p>
             <a:r>
               <a:rPr lang="en-GB" dirty="0" smtClean="0"/>
-              <a:t>Live demonstration</a:t>
+              <a:t>Testing</a:t>
             </a:r>
             <a:endParaRPr lang="en-GB" dirty="0"/>
           </a:p>
@@ -6219,43 +6219,40 @@
         </p:nvSpPr>
         <p:spPr/>
         <p:txBody>
-          <a:bodyPr>
-            <a:normAutofit/>
-          </a:bodyPr>
+          <a:bodyPr/>
           <a:lstStyle/>
           <a:p>
-            <a:r>
-              <a:rPr lang="en-GB" sz="2400" dirty="0">
-                <a:hlinkClick r:id="rId2"/>
-              </a:rPr>
-              <a:t>http://34.76.193.128</a:t>
-            </a:r>
-            <a:r>
-              <a:rPr lang="en-GB" sz="2400" dirty="0" smtClean="0">
-                <a:hlinkClick r:id="rId2"/>
-              </a:rPr>
-              <a:t>/</a:t>
-            </a:r>
-            <a:endParaRPr lang="en-GB" sz="2400" dirty="0" smtClean="0"/>
-          </a:p>
-          <a:p>
-            <a:endParaRPr lang="en-GB" sz="2400" dirty="0"/>
-          </a:p>
-          <a:p>
-            <a:r>
-              <a:rPr lang="en-GB" sz="2400" dirty="0">
-                <a:hlinkClick r:id="rId3"/>
-              </a:rPr>
-              <a:t>https://github.com/TheBartThe/assassinsGuild</a:t>
-            </a:r>
-            <a:endParaRPr lang="en-GB" sz="2400" dirty="0"/>
-          </a:p>
-        </p:txBody>
-      </p:sp>
+            <a:endParaRPr lang="en-GB"/>
+          </a:p>
+        </p:txBody>
+      </p:sp>
+      <p:pic>
+        <p:nvPicPr>
+          <p:cNvPr id="4" name="Picture 3"/>
+          <p:cNvPicPr>
+            <a:picLocks noChangeAspect="1"/>
+          </p:cNvPicPr>
+          <p:nvPr/>
+        </p:nvPicPr>
+        <p:blipFill rotWithShape="1">
+          <a:blip r:embed="rId2"/>
+          <a:srcRect t="75975" r="52311" b="8805"/>
+          <a:stretch/>
+        </p:blipFill>
+        <p:spPr>
+          <a:xfrm>
+            <a:off x="353682" y="3252157"/>
+            <a:ext cx="11473133" cy="2059718"/>
+          </a:xfrm>
+          <a:prstGeom prst="rect">
+            <a:avLst/>
+          </a:prstGeom>
+        </p:spPr>
+      </p:pic>
     </p:spTree>
     <p:extLst>
       <p:ext uri="{BB962C8B-B14F-4D97-AF65-F5344CB8AC3E}">
-        <p14:creationId xmlns:p14="http://schemas.microsoft.com/office/powerpoint/2010/main" val="424474695"/>
+        <p14:creationId xmlns:p14="http://schemas.microsoft.com/office/powerpoint/2010/main" val="2958151500"/>
       </p:ext>
     </p:extLst>
   </p:cSld>
@@ -7414,11 +7411,7 @@
             </a:pPr>
             <a:r>
               <a:rPr lang="en-GB" sz="2400" dirty="0" smtClean="0"/>
-              <a:t>Utilise version control system and continuous </a:t>
-            </a:r>
-            <a:r>
-              <a:rPr lang="en-GB" sz="2400" dirty="0" smtClean="0"/>
-              <a:t>deployment</a:t>
+              <a:t>Utilise version control system and continuous deployment</a:t>
             </a:r>
           </a:p>
           <a:p>
@@ -7977,8 +7970,8 @@
           <a:lstStyle/>
           <a:p>
             <a:r>
-              <a:rPr lang="en-GB" dirty="0" err="1" smtClean="0"/>
-              <a:t>Microservices</a:t>
+              <a:rPr lang="en-GB" dirty="0" smtClean="0"/>
+              <a:t>Initiation</a:t>
             </a:r>
             <a:endParaRPr lang="en-GB" dirty="0"/>
           </a:p>
@@ -8007,49 +8000,43 @@
               </a:lnSpc>
             </a:pPr>
             <a:r>
+              <a:rPr lang="en-GB" sz="2400" dirty="0" err="1" smtClean="0"/>
+              <a:t>Ansible</a:t>
+            </a:r>
+            <a:r>
               <a:rPr lang="en-GB" sz="2400" dirty="0" smtClean="0"/>
-              <a:t>Random character, associated points</a:t>
-            </a:r>
-          </a:p>
-          <a:p>
-            <a:pPr>
+              <a:t> used</a:t>
+            </a:r>
+          </a:p>
+          <a:p>
+            <a:pPr lvl="1">
               <a:lnSpc>
                 <a:spcPct val="150000"/>
               </a:lnSpc>
             </a:pPr>
             <a:r>
               <a:rPr lang="en-GB" sz="2400" dirty="0" smtClean="0"/>
-              <a:t>Random weapon, associated points</a:t>
-            </a:r>
-          </a:p>
-          <a:p>
-            <a:pPr>
+              <a:t>Set up VMs with correct installations</a:t>
+            </a:r>
+          </a:p>
+          <a:p>
+            <a:pPr lvl="1">
               <a:lnSpc>
                 <a:spcPct val="150000"/>
               </a:lnSpc>
             </a:pPr>
             <a:r>
               <a:rPr lang="en-GB" sz="2400" dirty="0" smtClean="0"/>
-              <a:t>Combine these into mission and points</a:t>
-            </a:r>
-          </a:p>
-          <a:p>
-            <a:pPr>
-              <a:lnSpc>
-                <a:spcPct val="150000"/>
-              </a:lnSpc>
-            </a:pPr>
-            <a:r>
-              <a:rPr lang="en-GB" sz="2400" dirty="0" smtClean="0"/>
-              <a:t>Deliver this to user</a:t>
-            </a:r>
+              <a:t>Initialise swarm</a:t>
+            </a:r>
+            <a:endParaRPr lang="en-GB" sz="2400" dirty="0"/>
           </a:p>
         </p:txBody>
       </p:sp>
     </p:spTree>
     <p:extLst>
       <p:ext uri="{BB962C8B-B14F-4D97-AF65-F5344CB8AC3E}">
-        <p14:creationId xmlns:p14="http://schemas.microsoft.com/office/powerpoint/2010/main" val="2618129997"/>
+        <p14:creationId xmlns:p14="http://schemas.microsoft.com/office/powerpoint/2010/main" val="2684536209"/>
       </p:ext>
     </p:extLst>
   </p:cSld>
@@ -8093,7 +8080,7 @@
           <a:p>
             <a:r>
               <a:rPr lang="en-GB" dirty="0" smtClean="0"/>
-              <a:t>Initiation</a:t>
+              <a:t>Live demonstration</a:t>
             </a:r>
             <a:endParaRPr lang="en-GB" dirty="0"/>
           </a:p>
@@ -8116,40 +8103,29 @@
           </a:bodyPr>
           <a:lstStyle/>
           <a:p>
-            <a:pPr>
-              <a:lnSpc>
-                <a:spcPct val="150000"/>
-              </a:lnSpc>
-            </a:pPr>
-            <a:r>
-              <a:rPr lang="en-GB" sz="2400" dirty="0" err="1" smtClean="0"/>
-              <a:t>Ansible</a:t>
-            </a:r>
-            <a:r>
-              <a:rPr lang="en-GB" sz="2400" dirty="0" smtClean="0"/>
-              <a:t> used</a:t>
-            </a:r>
-          </a:p>
-          <a:p>
-            <a:pPr lvl="1">
-              <a:lnSpc>
-                <a:spcPct val="150000"/>
-              </a:lnSpc>
-            </a:pPr>
-            <a:r>
-              <a:rPr lang="en-GB" sz="2400" dirty="0" smtClean="0"/>
-              <a:t>Set up VMs with correct installations</a:t>
-            </a:r>
-          </a:p>
-          <a:p>
-            <a:pPr lvl="1">
-              <a:lnSpc>
-                <a:spcPct val="150000"/>
-              </a:lnSpc>
-            </a:pPr>
-            <a:r>
-              <a:rPr lang="en-GB" sz="2400" dirty="0" smtClean="0"/>
-              <a:t>Initialise swarm</a:t>
+            <a:r>
+              <a:rPr lang="en-GB" sz="2400" dirty="0">
+                <a:hlinkClick r:id="rId2"/>
+              </a:rPr>
+              <a:t>http://34.76.193.128</a:t>
+            </a:r>
+            <a:r>
+              <a:rPr lang="en-GB" sz="2400" dirty="0" smtClean="0">
+                <a:hlinkClick r:id="rId2"/>
+              </a:rPr>
+              <a:t>/</a:t>
+            </a:r>
+            <a:endParaRPr lang="en-GB" sz="2400" dirty="0" smtClean="0"/>
+          </a:p>
+          <a:p>
+            <a:endParaRPr lang="en-GB" sz="2400" dirty="0"/>
+          </a:p>
+          <a:p>
+            <a:r>
+              <a:rPr lang="en-GB" sz="2400" dirty="0">
+                <a:hlinkClick r:id="rId3"/>
+              </a:rPr>
+              <a:t>https://github.com/TheBartThe/assassinsGuild</a:t>
             </a:r>
             <a:endParaRPr lang="en-GB" sz="2400" dirty="0"/>
           </a:p>
@@ -8158,7 +8134,7 @@
     </p:spTree>
     <p:extLst>
       <p:ext uri="{BB962C8B-B14F-4D97-AF65-F5344CB8AC3E}">
-        <p14:creationId xmlns:p14="http://schemas.microsoft.com/office/powerpoint/2010/main" val="2684536209"/>
+        <p14:creationId xmlns:p14="http://schemas.microsoft.com/office/powerpoint/2010/main" val="424474695"/>
       </p:ext>
     </p:extLst>
   </p:cSld>
@@ -8201,8 +8177,8 @@
           <a:lstStyle/>
           <a:p>
             <a:r>
-              <a:rPr lang="en-GB" dirty="0" smtClean="0"/>
-              <a:t>Deployment</a:t>
+              <a:rPr lang="en-GB" dirty="0" err="1" smtClean="0"/>
+              <a:t>Microservices</a:t>
             </a:r>
             <a:endParaRPr lang="en-GB" dirty="0"/>
           </a:p>
@@ -8232,13 +8208,8 @@
             </a:pPr>
             <a:r>
               <a:rPr lang="en-GB" sz="2400" dirty="0" smtClean="0"/>
-              <a:t>GitHub </a:t>
-            </a:r>
-            <a:r>
-              <a:rPr lang="en-GB" sz="2400" dirty="0" err="1" smtClean="0"/>
-              <a:t>webhook</a:t>
-            </a:r>
-            <a:endParaRPr lang="en-GB" sz="2400" dirty="0" smtClean="0"/>
+              <a:t>Random character, associated points</a:t>
+            </a:r>
           </a:p>
           <a:p>
             <a:pPr>
@@ -8248,13 +8219,8 @@
             </a:pPr>
             <a:r>
               <a:rPr lang="en-GB" sz="2400" dirty="0" smtClean="0"/>
-              <a:t>Jenkins job updates images, updates containers on other </a:t>
-            </a:r>
-            <a:r>
-              <a:rPr lang="en-GB" sz="2400" dirty="0" err="1" smtClean="0"/>
-              <a:t>vm</a:t>
-            </a:r>
-            <a:endParaRPr lang="en-GB" sz="2400" dirty="0" smtClean="0"/>
+              <a:t>Random weapon, associated points</a:t>
+            </a:r>
           </a:p>
           <a:p>
             <a:pPr>
@@ -8264,16 +8230,26 @@
             </a:pPr>
             <a:r>
               <a:rPr lang="en-GB" sz="2400" dirty="0" smtClean="0"/>
-              <a:t>Rolling update – multiple replicas</a:t>
-            </a:r>
-            <a:endParaRPr lang="en-GB" sz="2400" dirty="0"/>
+              <a:t>Combine these into mission and points</a:t>
+            </a:r>
+          </a:p>
+          <a:p>
+            <a:pPr>
+              <a:lnSpc>
+                <a:spcPct val="150000"/>
+              </a:lnSpc>
+            </a:pPr>
+            <a:r>
+              <a:rPr lang="en-GB" sz="2400" dirty="0" smtClean="0"/>
+              <a:t>Deliver this to user</a:t>
+            </a:r>
           </a:p>
         </p:txBody>
       </p:sp>
     </p:spTree>
     <p:extLst>
       <p:ext uri="{BB962C8B-B14F-4D97-AF65-F5344CB8AC3E}">
-        <p14:creationId xmlns:p14="http://schemas.microsoft.com/office/powerpoint/2010/main" val="1561508336"/>
+        <p14:creationId xmlns:p14="http://schemas.microsoft.com/office/powerpoint/2010/main" val="2618129997"/>
       </p:ext>
     </p:extLst>
   </p:cSld>
@@ -8317,7 +8293,7 @@
           <a:p>
             <a:r>
               <a:rPr lang="en-GB" dirty="0" smtClean="0"/>
-              <a:t>Testing</a:t>
+              <a:t>Deployment</a:t>
             </a:r>
             <a:endParaRPr lang="en-GB" dirty="0"/>
           </a:p>
@@ -8335,40 +8311,60 @@
         </p:nvSpPr>
         <p:spPr/>
         <p:txBody>
-          <a:bodyPr/>
+          <a:bodyPr>
+            <a:normAutofit/>
+          </a:bodyPr>
           <a:lstStyle/>
           <a:p>
-            <a:endParaRPr lang="en-GB"/>
-          </a:p>
-        </p:txBody>
-      </p:sp>
-      <p:pic>
-        <p:nvPicPr>
-          <p:cNvPr id="4" name="Picture 3"/>
-          <p:cNvPicPr>
-            <a:picLocks noChangeAspect="1"/>
-          </p:cNvPicPr>
-          <p:nvPr/>
-        </p:nvPicPr>
-        <p:blipFill rotWithShape="1">
-          <a:blip r:embed="rId2"/>
-          <a:srcRect t="75975" r="52311" b="8805"/>
-          <a:stretch/>
-        </p:blipFill>
-        <p:spPr>
-          <a:xfrm>
-            <a:off x="353682" y="3252157"/>
-            <a:ext cx="11473133" cy="2059718"/>
-          </a:xfrm>
-          <a:prstGeom prst="rect">
-            <a:avLst/>
-          </a:prstGeom>
-        </p:spPr>
-      </p:pic>
+            <a:pPr>
+              <a:lnSpc>
+                <a:spcPct val="150000"/>
+              </a:lnSpc>
+            </a:pPr>
+            <a:r>
+              <a:rPr lang="en-GB" sz="2400" dirty="0" smtClean="0"/>
+              <a:t>GitHub </a:t>
+            </a:r>
+            <a:r>
+              <a:rPr lang="en-GB" sz="2400" dirty="0" err="1" smtClean="0"/>
+              <a:t>webhook</a:t>
+            </a:r>
+            <a:endParaRPr lang="en-GB" sz="2400" dirty="0" smtClean="0"/>
+          </a:p>
+          <a:p>
+            <a:pPr>
+              <a:lnSpc>
+                <a:spcPct val="150000"/>
+              </a:lnSpc>
+            </a:pPr>
+            <a:r>
+              <a:rPr lang="en-GB" sz="2400" dirty="0" smtClean="0"/>
+              <a:t>Jenkins job updates images, updates containers on other </a:t>
+            </a:r>
+            <a:r>
+              <a:rPr lang="en-GB" sz="2400" dirty="0" err="1" smtClean="0"/>
+              <a:t>vm</a:t>
+            </a:r>
+            <a:endParaRPr lang="en-GB" sz="2400" dirty="0" smtClean="0"/>
+          </a:p>
+          <a:p>
+            <a:pPr>
+              <a:lnSpc>
+                <a:spcPct val="150000"/>
+              </a:lnSpc>
+            </a:pPr>
+            <a:r>
+              <a:rPr lang="en-GB" sz="2400" dirty="0" smtClean="0"/>
+              <a:t>Rolling update – multiple replicas</a:t>
+            </a:r>
+            <a:endParaRPr lang="en-GB" sz="2400" dirty="0"/>
+          </a:p>
+        </p:txBody>
+      </p:sp>
     </p:spTree>
     <p:extLst>
       <p:ext uri="{BB962C8B-B14F-4D97-AF65-F5344CB8AC3E}">
-        <p14:creationId xmlns:p14="http://schemas.microsoft.com/office/powerpoint/2010/main" val="2958151500"/>
+        <p14:creationId xmlns:p14="http://schemas.microsoft.com/office/powerpoint/2010/main" val="1561508336"/>
       </p:ext>
     </p:extLst>
   </p:cSld>

--- a/Documentation/assassinsGuildPresentationCopy.pptx
+++ b/Documentation/assassinsGuildPresentationCopy.pptx
@@ -7160,18 +7160,10 @@
           <a:lstStyle/>
           <a:p>
             <a:r>
-              <a:rPr lang="en-GB" sz="2800" dirty="0" smtClean="0"/>
-              <a:t>Any </a:t>
-            </a:r>
-            <a:r>
               <a:rPr lang="en-GB" sz="2400" dirty="0" smtClean="0"/>
-              <a:t>Questions</a:t>
-            </a:r>
-            <a:r>
-              <a:rPr lang="en-GB" sz="2800" dirty="0" smtClean="0"/>
-              <a:t>?</a:t>
-            </a:r>
-            <a:endParaRPr lang="en-GB" sz="2800" dirty="0"/>
+              <a:t>Any Questions?</a:t>
+            </a:r>
+            <a:endParaRPr lang="en-GB" sz="2400" dirty="0"/>
           </a:p>
         </p:txBody>
       </p:sp>
